--- a/Users/TrungTM/yakindu.pptx
+++ b/Users/TrungTM/yakindu.pptx
@@ -110,6 +110,11 @@
       </a:defRPr>
     </a:lvl9pPr>
   </p:defaultTextStyle>
+  <p:extLst>
+    <p:ext uri="{EFAFB233-063F-42B5-8137-9DF3F51BA10A}">
+      <p15:sldGuideLst xmlns:p15="http://schemas.microsoft.com/office/powerpoint/2012/main"/>
+    </p:ext>
+  </p:extLst>
 </p:presentation>
 </file>
 
@@ -244,7 +249,7 @@
           <a:p>
             <a:fld id="{AB6B658D-DAC8-4C39-B6BE-FD22729CDE49}" type="datetimeFigureOut">
               <a:rPr lang="en-US" smtClean="0"/>
-              <a:t>12/14/2012</a:t>
+              <a:t>12/18/2012</a:t>
             </a:fld>
             <a:endParaRPr lang="en-US"/>
           </a:p>
@@ -414,7 +419,7 @@
           <a:p>
             <a:fld id="{AB6B658D-DAC8-4C39-B6BE-FD22729CDE49}" type="datetimeFigureOut">
               <a:rPr lang="en-US" smtClean="0"/>
-              <a:t>12/14/2012</a:t>
+              <a:t>12/18/2012</a:t>
             </a:fld>
             <a:endParaRPr lang="en-US"/>
           </a:p>
@@ -594,7 +599,7 @@
           <a:p>
             <a:fld id="{AB6B658D-DAC8-4C39-B6BE-FD22729CDE49}" type="datetimeFigureOut">
               <a:rPr lang="en-US" smtClean="0"/>
-              <a:t>12/14/2012</a:t>
+              <a:t>12/18/2012</a:t>
             </a:fld>
             <a:endParaRPr lang="en-US"/>
           </a:p>
@@ -764,7 +769,7 @@
           <a:p>
             <a:fld id="{AB6B658D-DAC8-4C39-B6BE-FD22729CDE49}" type="datetimeFigureOut">
               <a:rPr lang="en-US" smtClean="0"/>
-              <a:t>12/14/2012</a:t>
+              <a:t>12/18/2012</a:t>
             </a:fld>
             <a:endParaRPr lang="en-US"/>
           </a:p>
@@ -956,7 +961,7 @@
           <a:p>
             <a:fld id="{AB6B658D-DAC8-4C39-B6BE-FD22729CDE49}" type="datetimeFigureOut">
               <a:rPr lang="en-US" smtClean="0"/>
-              <a:t>12/14/2012</a:t>
+              <a:t>12/18/2012</a:t>
             </a:fld>
             <a:endParaRPr lang="en-US"/>
           </a:p>
@@ -1244,7 +1249,7 @@
           <a:p>
             <a:fld id="{AB6B658D-DAC8-4C39-B6BE-FD22729CDE49}" type="datetimeFigureOut">
               <a:rPr lang="en-US" smtClean="0"/>
-              <a:t>12/14/2012</a:t>
+              <a:t>12/18/2012</a:t>
             </a:fld>
             <a:endParaRPr lang="en-US"/>
           </a:p>
@@ -1667,7 +1672,7 @@
           <a:p>
             <a:fld id="{AB6B658D-DAC8-4C39-B6BE-FD22729CDE49}" type="datetimeFigureOut">
               <a:rPr lang="en-US" smtClean="0"/>
-              <a:t>12/14/2012</a:t>
+              <a:t>12/18/2012</a:t>
             </a:fld>
             <a:endParaRPr lang="en-US"/>
           </a:p>
@@ -1785,7 +1790,7 @@
           <a:p>
             <a:fld id="{AB6B658D-DAC8-4C39-B6BE-FD22729CDE49}" type="datetimeFigureOut">
               <a:rPr lang="en-US" smtClean="0"/>
-              <a:t>12/14/2012</a:t>
+              <a:t>12/18/2012</a:t>
             </a:fld>
             <a:endParaRPr lang="en-US"/>
           </a:p>
@@ -1880,7 +1885,7 @@
           <a:p>
             <a:fld id="{AB6B658D-DAC8-4C39-B6BE-FD22729CDE49}" type="datetimeFigureOut">
               <a:rPr lang="en-US" smtClean="0"/>
-              <a:t>12/14/2012</a:t>
+              <a:t>12/18/2012</a:t>
             </a:fld>
             <a:endParaRPr lang="en-US"/>
           </a:p>
@@ -2157,7 +2162,7 @@
           <a:p>
             <a:fld id="{AB6B658D-DAC8-4C39-B6BE-FD22729CDE49}" type="datetimeFigureOut">
               <a:rPr lang="en-US" smtClean="0"/>
-              <a:t>12/14/2012</a:t>
+              <a:t>12/18/2012</a:t>
             </a:fld>
             <a:endParaRPr lang="en-US"/>
           </a:p>
@@ -2410,7 +2415,7 @@
           <a:p>
             <a:fld id="{AB6B658D-DAC8-4C39-B6BE-FD22729CDE49}" type="datetimeFigureOut">
               <a:rPr lang="en-US" smtClean="0"/>
-              <a:t>12/14/2012</a:t>
+              <a:t>12/18/2012</a:t>
             </a:fld>
             <a:endParaRPr lang="en-US"/>
           </a:p>
@@ -2623,7 +2628,7 @@
           <a:p>
             <a:fld id="{AB6B658D-DAC8-4C39-B6BE-FD22729CDE49}" type="datetimeFigureOut">
               <a:rPr lang="en-US" smtClean="0"/>
-              <a:t>12/14/2012</a:t>
+              <a:t>12/18/2012</a:t>
             </a:fld>
             <a:endParaRPr lang="en-US"/>
           </a:p>
@@ -3227,7 +3232,7 @@
         </p:nvSpPr>
         <p:spPr>
           <a:xfrm>
-            <a:off x="838200" y="365126"/>
+            <a:off x="838200" y="358448"/>
             <a:ext cx="10515600" cy="908348"/>
           </a:xfrm>
         </p:spPr>
@@ -4079,11 +4084,11 @@
   <p:clrMapOvr>
     <a:masterClrMapping/>
   </p:clrMapOvr>
-  <mc:AlternateContent xmlns:mc="http://schemas.openxmlformats.org/markup-compatibility/2006">
-    <mc:Choice xmlns:p14="http://schemas.microsoft.com/office/powerpoint/2010/main" Requires="p14">
+  <mc:AlternateContent xmlns:mc="http://schemas.openxmlformats.org/markup-compatibility/2006" xmlns:p14="http://schemas.microsoft.com/office/powerpoint/2010/main">
+    <mc:Choice Requires="p14">
       <p:transition p14:dur="0"/>
     </mc:Choice>
-    <mc:Fallback>
+    <mc:Fallback xmlns="">
       <p:transition/>
     </mc:Fallback>
   </mc:AlternateContent>
